--- a/results/Group3_ProjectDeck_v3.pptx
+++ b/results/Group3_ProjectDeck_v3.pptx
@@ -127,6 +127,35 @@
     </p:ext>
   </p:extLst>
 </p:presentation>
+</file>
+
+<file path=ppt/changesInfos/changesInfo1.xml><?xml version="1.0" encoding="utf-8"?>
+<pc:chgInfo xmlns:a="http://schemas.openxmlformats.org/drawingml/2006/main" xmlns:r="http://schemas.openxmlformats.org/officeDocument/2006/relationships" xmlns:ac="http://schemas.microsoft.com/office/drawing/2013/main/command" xmlns:pc="http://schemas.microsoft.com/office/powerpoint/2013/main/command">
+  <pc:docChgLst>
+    <pc:chgData name="Fox, Michael" userId="2c4a6482-6918-4567-bbf3-e8c9eff82b73" providerId="ADAL" clId="{C55FCF8F-0D22-D544-AA35-1418568AD027}"/>
+    <pc:docChg chg="modSld">
+      <pc:chgData name="Fox, Michael" userId="2c4a6482-6918-4567-bbf3-e8c9eff82b73" providerId="ADAL" clId="{C55FCF8F-0D22-D544-AA35-1418568AD027}" dt="2019-07-30T21:52:46.941" v="171" actId="20577"/>
+      <pc:docMkLst>
+        <pc:docMk/>
+      </pc:docMkLst>
+      <pc:sldChg chg="modSp">
+        <pc:chgData name="Fox, Michael" userId="2c4a6482-6918-4567-bbf3-e8c9eff82b73" providerId="ADAL" clId="{C55FCF8F-0D22-D544-AA35-1418568AD027}" dt="2019-07-30T21:52:46.941" v="171" actId="20577"/>
+        <pc:sldMkLst>
+          <pc:docMk/>
+          <pc:sldMk cId="820862363" sldId="265"/>
+        </pc:sldMkLst>
+        <pc:spChg chg="mod">
+          <ac:chgData name="Fox, Michael" userId="2c4a6482-6918-4567-bbf3-e8c9eff82b73" providerId="ADAL" clId="{C55FCF8F-0D22-D544-AA35-1418568AD027}" dt="2019-07-30T21:52:46.941" v="171" actId="20577"/>
+          <ac:spMkLst>
+            <pc:docMk/>
+            <pc:sldMk cId="820862363" sldId="265"/>
+            <ac:spMk id="4" creationId="{DA8237CD-3515-4C4B-874E-CCE0B30CD287}"/>
+          </ac:spMkLst>
+        </pc:spChg>
+      </pc:sldChg>
+    </pc:docChg>
+  </pc:docChgLst>
+</pc:chgInfo>
 </file>
 
 <file path=ppt/charts/chart1.xml><?xml version="1.0" encoding="utf-8"?>
@@ -6035,7 +6064,7 @@
           <a:p>
             <a:fld id="{8E394AA3-B3BA-47B1-9F9A-6FD820F191D6}" type="datetimeFigureOut">
               <a:rPr lang="en-US" smtClean="0"/>
-              <a:t>7/30/2019</a:t>
+              <a:t>7/30/19</a:t>
             </a:fld>
             <a:endParaRPr lang="en-US"/>
           </a:p>
@@ -6791,7 +6820,7 @@
           <a:p>
             <a:fld id="{58B4A092-8825-4EEF-9DAB-7FF280C00006}" type="datetimeFigureOut">
               <a:rPr lang="en-US" smtClean="0"/>
-              <a:t>7/30/2019</a:t>
+              <a:t>7/30/19</a:t>
             </a:fld>
             <a:endParaRPr lang="en-US"/>
           </a:p>
@@ -6975,7 +7004,7 @@
           <a:p>
             <a:fld id="{58B4A092-8825-4EEF-9DAB-7FF280C00006}" type="datetimeFigureOut">
               <a:rPr lang="en-US" smtClean="0"/>
-              <a:t>7/30/2019</a:t>
+              <a:t>7/30/19</a:t>
             </a:fld>
             <a:endParaRPr lang="en-US"/>
           </a:p>
@@ -7159,7 +7188,7 @@
           <a:p>
             <a:fld id="{58B4A092-8825-4EEF-9DAB-7FF280C00006}" type="datetimeFigureOut">
               <a:rPr lang="en-US" smtClean="0"/>
-              <a:t>7/30/2019</a:t>
+              <a:t>7/30/19</a:t>
             </a:fld>
             <a:endParaRPr lang="en-US"/>
           </a:p>
@@ -7367,7 +7396,7 @@
           <a:p>
             <a:fld id="{58B4A092-8825-4EEF-9DAB-7FF280C00006}" type="datetimeFigureOut">
               <a:rPr lang="en-US" smtClean="0"/>
-              <a:t>7/30/2019</a:t>
+              <a:t>7/30/19</a:t>
             </a:fld>
             <a:endParaRPr lang="en-US"/>
           </a:p>
@@ -7604,7 +7633,7 @@
           <a:p>
             <a:fld id="{58B4A092-8825-4EEF-9DAB-7FF280C00006}" type="datetimeFigureOut">
               <a:rPr lang="en-US" smtClean="0"/>
-              <a:t>7/30/2019</a:t>
+              <a:t>7/30/19</a:t>
             </a:fld>
             <a:endParaRPr lang="en-US"/>
           </a:p>
@@ -7994,7 +8023,7 @@
           <a:p>
             <a:fld id="{58B4A092-8825-4EEF-9DAB-7FF280C00006}" type="datetimeFigureOut">
               <a:rPr lang="en-US" smtClean="0"/>
-              <a:t>7/30/2019</a:t>
+              <a:t>7/30/19</a:t>
             </a:fld>
             <a:endParaRPr lang="en-US"/>
           </a:p>
@@ -8259,7 +8288,7 @@
           <a:p>
             <a:fld id="{58B4A092-8825-4EEF-9DAB-7FF280C00006}" type="datetimeFigureOut">
               <a:rPr lang="en-US" smtClean="0"/>
-              <a:t>7/30/2019</a:t>
+              <a:t>7/30/19</a:t>
             </a:fld>
             <a:endParaRPr lang="en-US"/>
           </a:p>
@@ -8671,7 +8700,7 @@
           <a:p>
             <a:fld id="{58B4A092-8825-4EEF-9DAB-7FF280C00006}" type="datetimeFigureOut">
               <a:rPr lang="en-US" smtClean="0"/>
-              <a:t>7/30/2019</a:t>
+              <a:t>7/30/19</a:t>
             </a:fld>
             <a:endParaRPr lang="en-US"/>
           </a:p>
@@ -8812,7 +8841,7 @@
           <a:p>
             <a:fld id="{58B4A092-8825-4EEF-9DAB-7FF280C00006}" type="datetimeFigureOut">
               <a:rPr lang="en-US" smtClean="0"/>
-              <a:t>7/30/2019</a:t>
+              <a:t>7/30/19</a:t>
             </a:fld>
             <a:endParaRPr lang="en-US"/>
           </a:p>
@@ -8925,7 +8954,7 @@
           <a:p>
             <a:fld id="{58B4A092-8825-4EEF-9DAB-7FF280C00006}" type="datetimeFigureOut">
               <a:rPr lang="en-US" smtClean="0"/>
-              <a:t>7/30/2019</a:t>
+              <a:t>7/30/19</a:t>
             </a:fld>
             <a:endParaRPr lang="en-US"/>
           </a:p>
@@ -9236,7 +9265,7 @@
           <a:p>
             <a:fld id="{58B4A092-8825-4EEF-9DAB-7FF280C00006}" type="datetimeFigureOut">
               <a:rPr lang="en-US" smtClean="0"/>
-              <a:t>7/30/2019</a:t>
+              <a:t>7/30/19</a:t>
             </a:fld>
             <a:endParaRPr lang="en-US"/>
           </a:p>
@@ -9418,7 +9447,7 @@
           <a:p>
             <a:fld id="{58B4A092-8825-4EEF-9DAB-7FF280C00006}" type="datetimeFigureOut">
               <a:rPr lang="en-US" smtClean="0"/>
-              <a:t>7/30/2019</a:t>
+              <a:t>7/30/19</a:t>
             </a:fld>
             <a:endParaRPr lang="en-US"/>
           </a:p>
@@ -9694,7 +9723,7 @@
           <a:p>
             <a:fld id="{58B4A092-8825-4EEF-9DAB-7FF280C00006}" type="datetimeFigureOut">
               <a:rPr lang="en-US" smtClean="0"/>
-              <a:t>7/30/2019</a:t>
+              <a:t>7/30/19</a:t>
             </a:fld>
             <a:endParaRPr lang="en-US"/>
           </a:p>
@@ -9892,7 +9921,7 @@
           <a:p>
             <a:fld id="{58B4A092-8825-4EEF-9DAB-7FF280C00006}" type="datetimeFigureOut">
               <a:rPr lang="en-US" smtClean="0"/>
-              <a:t>7/30/2019</a:t>
+              <a:t>7/30/19</a:t>
             </a:fld>
             <a:endParaRPr lang="en-US"/>
           </a:p>
@@ -10100,7 +10129,7 @@
           <a:p>
             <a:fld id="{58B4A092-8825-4EEF-9DAB-7FF280C00006}" type="datetimeFigureOut">
               <a:rPr lang="en-US" smtClean="0"/>
-              <a:t>7/30/2019</a:t>
+              <a:t>7/30/19</a:t>
             </a:fld>
             <a:endParaRPr lang="en-US"/>
           </a:p>
@@ -10437,7 +10466,7 @@
           <a:p>
             <a:fld id="{58B4A092-8825-4EEF-9DAB-7FF280C00006}" type="datetimeFigureOut">
               <a:rPr lang="en-US" smtClean="0"/>
-              <a:t>7/30/2019</a:t>
+              <a:t>7/30/19</a:t>
             </a:fld>
             <a:endParaRPr lang="en-US"/>
           </a:p>
@@ -10835,7 +10864,7 @@
           <a:p>
             <a:fld id="{58B4A092-8825-4EEF-9DAB-7FF280C00006}" type="datetimeFigureOut">
               <a:rPr lang="en-US" smtClean="0"/>
-              <a:t>7/30/2019</a:t>
+              <a:t>7/30/19</a:t>
             </a:fld>
             <a:endParaRPr lang="en-US"/>
           </a:p>
@@ -11269,7 +11298,7 @@
           <a:p>
             <a:fld id="{58B4A092-8825-4EEF-9DAB-7FF280C00006}" type="datetimeFigureOut">
               <a:rPr lang="en-US" smtClean="0"/>
-              <a:t>7/30/2019</a:t>
+              <a:t>7/30/19</a:t>
             </a:fld>
             <a:endParaRPr lang="en-US"/>
           </a:p>
@@ -11397,7 +11426,7 @@
           <a:p>
             <a:fld id="{58B4A092-8825-4EEF-9DAB-7FF280C00006}" type="datetimeFigureOut">
               <a:rPr lang="en-US" smtClean="0"/>
-              <a:t>7/30/2019</a:t>
+              <a:t>7/30/19</a:t>
             </a:fld>
             <a:endParaRPr lang="en-US"/>
           </a:p>
@@ -11502,7 +11531,7 @@
           <a:p>
             <a:fld id="{58B4A092-8825-4EEF-9DAB-7FF280C00006}" type="datetimeFigureOut">
               <a:rPr lang="en-US" smtClean="0"/>
-              <a:t>7/30/2019</a:t>
+              <a:t>7/30/19</a:t>
             </a:fld>
             <a:endParaRPr lang="en-US"/>
           </a:p>
@@ -11943,7 +11972,7 @@
           <a:p>
             <a:fld id="{58B4A092-8825-4EEF-9DAB-7FF280C00006}" type="datetimeFigureOut">
               <a:rPr lang="en-US" smtClean="0"/>
-              <a:t>7/30/2019</a:t>
+              <a:t>7/30/19</a:t>
             </a:fld>
             <a:endParaRPr lang="en-US"/>
           </a:p>
@@ -12370,7 +12399,7 @@
           <a:p>
             <a:fld id="{58B4A092-8825-4EEF-9DAB-7FF280C00006}" type="datetimeFigureOut">
               <a:rPr lang="en-US" smtClean="0"/>
-              <a:t>7/30/2019</a:t>
+              <a:t>7/30/19</a:t>
             </a:fld>
             <a:endParaRPr lang="en-US"/>
           </a:p>
@@ -12655,7 +12684,7 @@
           <a:p>
             <a:fld id="{58B4A092-8825-4EEF-9DAB-7FF280C00006}" type="datetimeFigureOut">
               <a:rPr lang="en-US" smtClean="0"/>
-              <a:t>7/30/2019</a:t>
+              <a:t>7/30/19</a:t>
             </a:fld>
             <a:endParaRPr lang="en-US"/>
           </a:p>
@@ -13295,7 +13324,7 @@
           <a:p>
             <a:fld id="{58B4A092-8825-4EEF-9DAB-7FF280C00006}" type="datetimeFigureOut">
               <a:rPr lang="en-US" smtClean="0"/>
-              <a:t>7/30/2019</a:t>
+              <a:t>7/30/19</a:t>
             </a:fld>
             <a:endParaRPr lang="en-US"/>
           </a:p>
@@ -16515,7 +16544,7 @@
         <p:spPr>
           <a:xfrm>
             <a:off x="628650" y="5327374"/>
-            <a:ext cx="7617603" cy="1231106"/>
+            <a:ext cx="7617603" cy="1661993"/>
           </a:xfrm>
           <a:prstGeom prst="rect">
             <a:avLst/>
@@ -16544,7 +16573,7 @@
               <a:rPr lang="en-US" sz="1400" dirty="0">
                 <a:latin typeface="Rockwell Condensed (Headings)"/>
               </a:rPr>
-              <a:t>Check if winner or loser of game had higher rushing %</a:t>
+              <a:t>Check if top teams have higher rushing % than opponents</a:t>
             </a:r>
           </a:p>
           <a:p>
@@ -16558,6 +16587,39 @@
               </a:rPr>
               <a:t>Bins of yards for “big plays”</a:t>
             </a:r>
+          </a:p>
+          <a:p>
+            <a:pPr marL="285750" indent="-285750">
+              <a:buFont typeface="Arial" panose="020B0604020202020204" pitchFamily="34" charset="0"/>
+              <a:buChar char="•"/>
+            </a:pPr>
+            <a:r>
+              <a:rPr lang="en-US" sz="1400" dirty="0">
+                <a:latin typeface="Rockwell Condensed (Headings)"/>
+              </a:rPr>
+              <a:t>Evaluate if teams with better defense can </a:t>
+            </a:r>
+            <a:r>
+              <a:rPr lang="en-US" sz="1400">
+                <a:latin typeface="Rockwell Condensed (Headings)"/>
+              </a:rPr>
+              <a:t>sufficiently mitigate </a:t>
+            </a:r>
+            <a:r>
+              <a:rPr lang="en-US" sz="1400" dirty="0">
+                <a:latin typeface="Rockwell Condensed (Headings)"/>
+              </a:rPr>
+              <a:t>downside risk of pass plays in order to benefit from </a:t>
+            </a:r>
+            <a:r>
+              <a:rPr lang="en-US" sz="1400">
+                <a:latin typeface="Rockwell Condensed (Headings)"/>
+              </a:rPr>
+              <a:t>potential upside</a:t>
+            </a:r>
+            <a:endParaRPr lang="en-US" sz="1400" dirty="0">
+              <a:latin typeface="Rockwell Condensed (Headings)"/>
+            </a:endParaRPr>
           </a:p>
           <a:p>
             <a:pPr marL="285750" indent="-285750">
